--- a/Charte graphique.pptx
+++ b/Charte graphique.pptx
@@ -8,6 +8,8 @@
     <p:sldId id="256" r:id="rId2"/>
     <p:sldId id="257" r:id="rId3"/>
     <p:sldId id="258" r:id="rId4"/>
+    <p:sldId id="259" r:id="rId5"/>
+    <p:sldId id="260" r:id="rId6"/>
   </p:sldIdLst>
   <p:sldSz cx="12192000" cy="6858000"/>
   <p:notesSz cx="6858000" cy="9144000"/>
@@ -106,6 +108,11 @@
       </a:defRPr>
     </a:lvl9pPr>
   </p:defaultTextStyle>
+  <p:extLst>
+    <p:ext uri="{EFAFB233-063F-42B5-8137-9DF3F51BA10A}">
+      <p15:sldGuideLst xmlns:p15="http://schemas.microsoft.com/office/powerpoint/2012/main"/>
+    </p:ext>
+  </p:extLst>
 </p:presentation>
 </file>
 
@@ -4267,6 +4274,809 @@
 </p:sld>
 </file>
 
+<file path=ppt/slides/slide4.xml><?xml version="1.0" encoding="utf-8"?>
+<p:sld xmlns:a="http://schemas.openxmlformats.org/drawingml/2006/main" xmlns:r="http://schemas.openxmlformats.org/officeDocument/2006/relationships" xmlns:p="http://schemas.openxmlformats.org/presentationml/2006/main">
+  <p:cSld>
+    <p:spTree>
+      <p:nvGrpSpPr>
+        <p:cNvPr id="1" name=""/>
+        <p:cNvGrpSpPr/>
+        <p:nvPr/>
+      </p:nvGrpSpPr>
+      <p:grpSpPr>
+        <a:xfrm>
+          <a:off x="0" y="0"/>
+          <a:ext cx="0" cy="0"/>
+          <a:chOff x="0" y="0"/>
+          <a:chExt cx="0" cy="0"/>
+        </a:xfrm>
+      </p:grpSpPr>
+      <p:sp>
+        <p:nvSpPr>
+          <p:cNvPr id="2" name="Titre 1"/>
+          <p:cNvSpPr>
+            <a:spLocks noGrp="1"/>
+          </p:cNvSpPr>
+          <p:nvPr>
+            <p:ph type="ctrTitle"/>
+          </p:nvPr>
+        </p:nvSpPr>
+        <p:spPr>
+          <a:xfrm>
+            <a:off x="1585547" y="102455"/>
+            <a:ext cx="9144000" cy="891075"/>
+          </a:xfrm>
+        </p:spPr>
+        <p:txBody>
+          <a:bodyPr>
+            <a:normAutofit fontScale="90000"/>
+          </a:bodyPr>
+          <a:lstStyle/>
+          <a:p>
+            <a:r>
+              <a:rPr lang="fr-FR" u="sng" dirty="0" smtClean="0">
+                <a:solidFill>
+                  <a:schemeClr val="tx1">
+                    <a:lumMod val="75000"/>
+                    <a:lumOff val="25000"/>
+                  </a:schemeClr>
+                </a:solidFill>
+                <a:latin typeface="Bauhaus 93" panose="04030905020B02020C02" pitchFamily="82" charset="0"/>
+              </a:rPr>
+              <a:t>Charte graphique</a:t>
+            </a:r>
+            <a:endParaRPr lang="fr-FR" u="sng" dirty="0">
+              <a:solidFill>
+                <a:schemeClr val="tx1">
+                  <a:lumMod val="75000"/>
+                  <a:lumOff val="25000"/>
+                </a:schemeClr>
+              </a:solidFill>
+              <a:latin typeface="Bauhaus 93" panose="04030905020B02020C02" pitchFamily="82" charset="0"/>
+            </a:endParaRPr>
+          </a:p>
+        </p:txBody>
+      </p:sp>
+      <p:sp>
+        <p:nvSpPr>
+          <p:cNvPr id="6" name="Rectangle 5"/>
+          <p:cNvSpPr/>
+          <p:nvPr/>
+        </p:nvSpPr>
+        <p:spPr>
+          <a:xfrm>
+            <a:off x="9076593" y="3766040"/>
+            <a:ext cx="1652954" cy="1547446"/>
+          </a:xfrm>
+          <a:prstGeom prst="rect">
+            <a:avLst/>
+          </a:prstGeom>
+          <a:solidFill>
+            <a:srgbClr val="FFFFFF"/>
+          </a:solidFill>
+          <a:ln>
+            <a:solidFill>
+              <a:schemeClr val="tx1"/>
+            </a:solidFill>
+          </a:ln>
+        </p:spPr>
+        <p:style>
+          <a:lnRef idx="2">
+            <a:schemeClr val="accent1">
+              <a:shade val="50000"/>
+            </a:schemeClr>
+          </a:lnRef>
+          <a:fillRef idx="1">
+            <a:schemeClr val="accent1"/>
+          </a:fillRef>
+          <a:effectRef idx="0">
+            <a:schemeClr val="accent1"/>
+          </a:effectRef>
+          <a:fontRef idx="minor">
+            <a:schemeClr val="lt1"/>
+          </a:fontRef>
+        </p:style>
+        <p:txBody>
+          <a:bodyPr rtlCol="0" anchor="ctr"/>
+          <a:lstStyle/>
+          <a:p>
+            <a:pPr algn="ctr"/>
+            <a:r>
+              <a:rPr lang="fr-FR" dirty="0" smtClean="0">
+                <a:solidFill>
+                  <a:schemeClr val="tx1"/>
+                </a:solidFill>
+              </a:rPr>
+              <a:t>255/255/255</a:t>
+            </a:r>
+          </a:p>
+        </p:txBody>
+      </p:sp>
+      <p:sp>
+        <p:nvSpPr>
+          <p:cNvPr id="7" name="Rectangle 6"/>
+          <p:cNvSpPr/>
+          <p:nvPr/>
+        </p:nvSpPr>
+        <p:spPr>
+          <a:xfrm>
+            <a:off x="6406663" y="3766040"/>
+            <a:ext cx="1652954" cy="1547446"/>
+          </a:xfrm>
+          <a:prstGeom prst="rect">
+            <a:avLst/>
+          </a:prstGeom>
+          <a:solidFill>
+            <a:srgbClr val="85C2FE"/>
+          </a:solidFill>
+          <a:ln>
+            <a:solidFill>
+              <a:schemeClr val="bg1"/>
+            </a:solidFill>
+          </a:ln>
+        </p:spPr>
+        <p:style>
+          <a:lnRef idx="2">
+            <a:schemeClr val="accent1">
+              <a:shade val="50000"/>
+            </a:schemeClr>
+          </a:lnRef>
+          <a:fillRef idx="1">
+            <a:schemeClr val="accent1"/>
+          </a:fillRef>
+          <a:effectRef idx="0">
+            <a:schemeClr val="accent1"/>
+          </a:effectRef>
+          <a:fontRef idx="minor">
+            <a:schemeClr val="lt1"/>
+          </a:fontRef>
+        </p:style>
+        <p:txBody>
+          <a:bodyPr rtlCol="0" anchor="ctr"/>
+          <a:lstStyle/>
+          <a:p>
+            <a:pPr algn="ctr"/>
+            <a:r>
+              <a:rPr lang="fr-FR" dirty="0" smtClean="0">
+                <a:solidFill>
+                  <a:schemeClr val="tx1"/>
+                </a:solidFill>
+              </a:rPr>
+              <a:t>133/194/254</a:t>
+            </a:r>
+            <a:endParaRPr lang="fr-FR" dirty="0" smtClean="0">
+              <a:solidFill>
+                <a:schemeClr val="tx1"/>
+              </a:solidFill>
+            </a:endParaRPr>
+          </a:p>
+        </p:txBody>
+      </p:sp>
+      <p:sp>
+        <p:nvSpPr>
+          <p:cNvPr id="8" name="Rectangle 7"/>
+          <p:cNvSpPr/>
+          <p:nvPr/>
+        </p:nvSpPr>
+        <p:spPr>
+          <a:xfrm>
+            <a:off x="6406663" y="1641231"/>
+            <a:ext cx="1652954" cy="1547446"/>
+          </a:xfrm>
+          <a:prstGeom prst="rect">
+            <a:avLst/>
+          </a:prstGeom>
+          <a:solidFill>
+            <a:srgbClr val="B5D6BD"/>
+          </a:solidFill>
+          <a:ln>
+            <a:solidFill>
+              <a:schemeClr val="bg1"/>
+            </a:solidFill>
+          </a:ln>
+        </p:spPr>
+        <p:style>
+          <a:lnRef idx="2">
+            <a:schemeClr val="accent1">
+              <a:shade val="50000"/>
+            </a:schemeClr>
+          </a:lnRef>
+          <a:fillRef idx="1">
+            <a:schemeClr val="accent1"/>
+          </a:fillRef>
+          <a:effectRef idx="0">
+            <a:schemeClr val="accent1"/>
+          </a:effectRef>
+          <a:fontRef idx="minor">
+            <a:schemeClr val="lt1"/>
+          </a:fontRef>
+        </p:style>
+        <p:txBody>
+          <a:bodyPr rtlCol="0" anchor="ctr"/>
+          <a:lstStyle/>
+          <a:p>
+            <a:pPr algn="ctr"/>
+            <a:r>
+              <a:rPr lang="fr-FR" dirty="0" smtClean="0">
+                <a:solidFill>
+                  <a:schemeClr val="tx1"/>
+                </a:solidFill>
+              </a:rPr>
+              <a:t>181/214/189</a:t>
+            </a:r>
+            <a:endParaRPr lang="fr-FR" dirty="0" smtClean="0">
+              <a:solidFill>
+                <a:schemeClr val="tx1"/>
+              </a:solidFill>
+            </a:endParaRPr>
+          </a:p>
+        </p:txBody>
+      </p:sp>
+      <p:sp>
+        <p:nvSpPr>
+          <p:cNvPr id="9" name="Rectangle 8"/>
+          <p:cNvSpPr/>
+          <p:nvPr/>
+        </p:nvSpPr>
+        <p:spPr>
+          <a:xfrm>
+            <a:off x="5595572" y="2665536"/>
+            <a:ext cx="1123950" cy="1046281"/>
+          </a:xfrm>
+          <a:prstGeom prst="rect">
+            <a:avLst/>
+          </a:prstGeom>
+          <a:solidFill>
+            <a:srgbClr val="143301"/>
+          </a:solidFill>
+          <a:ln>
+            <a:solidFill>
+              <a:schemeClr val="bg1"/>
+            </a:solidFill>
+          </a:ln>
+        </p:spPr>
+        <p:style>
+          <a:lnRef idx="2">
+            <a:schemeClr val="accent1">
+              <a:shade val="50000"/>
+            </a:schemeClr>
+          </a:lnRef>
+          <a:fillRef idx="1">
+            <a:schemeClr val="accent1"/>
+          </a:fillRef>
+          <a:effectRef idx="0">
+            <a:schemeClr val="accent1"/>
+          </a:effectRef>
+          <a:fontRef idx="minor">
+            <a:schemeClr val="lt1"/>
+          </a:fontRef>
+        </p:style>
+        <p:txBody>
+          <a:bodyPr rtlCol="0" anchor="ctr"/>
+          <a:lstStyle/>
+          <a:p>
+            <a:pPr algn="ctr"/>
+            <a:r>
+              <a:rPr lang="fr-FR" dirty="0" smtClean="0">
+                <a:solidFill>
+                  <a:schemeClr val="bg1"/>
+                </a:solidFill>
+              </a:rPr>
+              <a:t>20/51/1</a:t>
+            </a:r>
+            <a:endParaRPr lang="fr-FR" dirty="0" smtClean="0">
+              <a:solidFill>
+                <a:schemeClr val="bg1"/>
+              </a:solidFill>
+            </a:endParaRPr>
+          </a:p>
+        </p:txBody>
+      </p:sp>
+      <p:sp>
+        <p:nvSpPr>
+          <p:cNvPr id="10" name="Rectangle 9"/>
+          <p:cNvSpPr/>
+          <p:nvPr/>
+        </p:nvSpPr>
+        <p:spPr>
+          <a:xfrm>
+            <a:off x="5508748" y="1155455"/>
+            <a:ext cx="1297597" cy="1068999"/>
+          </a:xfrm>
+          <a:prstGeom prst="rect">
+            <a:avLst/>
+          </a:prstGeom>
+          <a:solidFill>
+            <a:srgbClr val="7DA82E"/>
+          </a:solidFill>
+          <a:ln>
+            <a:solidFill>
+              <a:schemeClr val="bg1"/>
+            </a:solidFill>
+          </a:ln>
+        </p:spPr>
+        <p:style>
+          <a:lnRef idx="2">
+            <a:schemeClr val="accent1">
+              <a:shade val="50000"/>
+            </a:schemeClr>
+          </a:lnRef>
+          <a:fillRef idx="1">
+            <a:schemeClr val="accent1"/>
+          </a:fillRef>
+          <a:effectRef idx="0">
+            <a:schemeClr val="accent1"/>
+          </a:effectRef>
+          <a:fontRef idx="minor">
+            <a:schemeClr val="lt1"/>
+          </a:fontRef>
+        </p:style>
+        <p:txBody>
+          <a:bodyPr rtlCol="0" anchor="ctr"/>
+          <a:lstStyle/>
+          <a:p>
+            <a:pPr algn="ctr"/>
+            <a:r>
+              <a:rPr lang="fr-FR" dirty="0" smtClean="0">
+                <a:solidFill>
+                  <a:schemeClr val="tx1">
+                    <a:lumMod val="75000"/>
+                    <a:lumOff val="25000"/>
+                  </a:schemeClr>
+                </a:solidFill>
+              </a:rPr>
+              <a:t>125/168/46</a:t>
+            </a:r>
+            <a:endParaRPr lang="fr-FR" dirty="0" smtClean="0">
+              <a:solidFill>
+                <a:schemeClr val="tx1">
+                  <a:lumMod val="75000"/>
+                  <a:lumOff val="25000"/>
+                </a:schemeClr>
+              </a:solidFill>
+            </a:endParaRPr>
+          </a:p>
+        </p:txBody>
+      </p:sp>
+      <p:sp>
+        <p:nvSpPr>
+          <p:cNvPr id="12" name="Rectangle 11"/>
+          <p:cNvSpPr/>
+          <p:nvPr/>
+        </p:nvSpPr>
+        <p:spPr>
+          <a:xfrm>
+            <a:off x="9076593" y="1641231"/>
+            <a:ext cx="1652954" cy="1547446"/>
+          </a:xfrm>
+          <a:prstGeom prst="rect">
+            <a:avLst/>
+          </a:prstGeom>
+          <a:solidFill>
+            <a:srgbClr val="DFDDD0"/>
+          </a:solidFill>
+          <a:ln>
+            <a:solidFill>
+              <a:schemeClr val="bg1"/>
+            </a:solidFill>
+          </a:ln>
+        </p:spPr>
+        <p:style>
+          <a:lnRef idx="2">
+            <a:schemeClr val="accent1">
+              <a:shade val="50000"/>
+            </a:schemeClr>
+          </a:lnRef>
+          <a:fillRef idx="1">
+            <a:schemeClr val="accent1"/>
+          </a:fillRef>
+          <a:effectRef idx="0">
+            <a:schemeClr val="accent1"/>
+          </a:effectRef>
+          <a:fontRef idx="minor">
+            <a:schemeClr val="lt1"/>
+          </a:fontRef>
+        </p:style>
+        <p:txBody>
+          <a:bodyPr rtlCol="0" anchor="ctr"/>
+          <a:lstStyle/>
+          <a:p>
+            <a:pPr algn="ctr"/>
+            <a:r>
+              <a:rPr lang="fr-FR" dirty="0" smtClean="0">
+                <a:solidFill>
+                  <a:schemeClr val="tx1"/>
+                </a:solidFill>
+              </a:rPr>
+              <a:t>223/221/208</a:t>
+            </a:r>
+          </a:p>
+        </p:txBody>
+      </p:sp>
+    </p:spTree>
+    <p:extLst>
+      <p:ext uri="{BB962C8B-B14F-4D97-AF65-F5344CB8AC3E}">
+        <p14:creationId xmlns:p14="http://schemas.microsoft.com/office/powerpoint/2010/main" val="2308492356"/>
+      </p:ext>
+    </p:extLst>
+  </p:cSld>
+  <p:clrMapOvr>
+    <a:masterClrMapping/>
+  </p:clrMapOvr>
+</p:sld>
+</file>
+
+<file path=ppt/slides/slide5.xml><?xml version="1.0" encoding="utf-8"?>
+<p:sld xmlns:a="http://schemas.openxmlformats.org/drawingml/2006/main" xmlns:r="http://schemas.openxmlformats.org/officeDocument/2006/relationships" xmlns:p="http://schemas.openxmlformats.org/presentationml/2006/main">
+  <p:cSld>
+    <p:spTree>
+      <p:nvGrpSpPr>
+        <p:cNvPr id="1" name=""/>
+        <p:cNvGrpSpPr/>
+        <p:nvPr/>
+      </p:nvGrpSpPr>
+      <p:grpSpPr>
+        <a:xfrm>
+          <a:off x="0" y="0"/>
+          <a:ext cx="0" cy="0"/>
+          <a:chOff x="0" y="0"/>
+          <a:chExt cx="0" cy="0"/>
+        </a:xfrm>
+      </p:grpSpPr>
+      <p:sp>
+        <p:nvSpPr>
+          <p:cNvPr id="2" name="Titre 1"/>
+          <p:cNvSpPr>
+            <a:spLocks noGrp="1"/>
+          </p:cNvSpPr>
+          <p:nvPr>
+            <p:ph type="ctrTitle"/>
+          </p:nvPr>
+        </p:nvSpPr>
+        <p:spPr>
+          <a:xfrm>
+            <a:off x="1585547" y="102455"/>
+            <a:ext cx="9144000" cy="891075"/>
+          </a:xfrm>
+        </p:spPr>
+        <p:txBody>
+          <a:bodyPr>
+            <a:normAutofit fontScale="90000"/>
+          </a:bodyPr>
+          <a:lstStyle/>
+          <a:p>
+            <a:r>
+              <a:rPr lang="fr-FR" u="sng" dirty="0" smtClean="0">
+                <a:solidFill>
+                  <a:schemeClr val="tx1">
+                    <a:lumMod val="75000"/>
+                    <a:lumOff val="25000"/>
+                  </a:schemeClr>
+                </a:solidFill>
+                <a:latin typeface="Bauhaus 93" panose="04030905020B02020C02" pitchFamily="82" charset="0"/>
+              </a:rPr>
+              <a:t>Charte graphique</a:t>
+            </a:r>
+            <a:endParaRPr lang="fr-FR" u="sng" dirty="0">
+              <a:solidFill>
+                <a:schemeClr val="tx1">
+                  <a:lumMod val="75000"/>
+                  <a:lumOff val="25000"/>
+                </a:schemeClr>
+              </a:solidFill>
+              <a:latin typeface="Bauhaus 93" panose="04030905020B02020C02" pitchFamily="82" charset="0"/>
+            </a:endParaRPr>
+          </a:p>
+        </p:txBody>
+      </p:sp>
+      <p:sp>
+        <p:nvSpPr>
+          <p:cNvPr id="6" name="Rectangle 5"/>
+          <p:cNvSpPr/>
+          <p:nvPr/>
+        </p:nvSpPr>
+        <p:spPr>
+          <a:xfrm>
+            <a:off x="9076593" y="3766040"/>
+            <a:ext cx="1652954" cy="1547446"/>
+          </a:xfrm>
+          <a:prstGeom prst="rect">
+            <a:avLst/>
+          </a:prstGeom>
+          <a:solidFill>
+            <a:srgbClr val="FFFFFF"/>
+          </a:solidFill>
+          <a:ln>
+            <a:solidFill>
+              <a:schemeClr val="tx1"/>
+            </a:solidFill>
+          </a:ln>
+        </p:spPr>
+        <p:style>
+          <a:lnRef idx="2">
+            <a:schemeClr val="accent1">
+              <a:shade val="50000"/>
+            </a:schemeClr>
+          </a:lnRef>
+          <a:fillRef idx="1">
+            <a:schemeClr val="accent1"/>
+          </a:fillRef>
+          <a:effectRef idx="0">
+            <a:schemeClr val="accent1"/>
+          </a:effectRef>
+          <a:fontRef idx="minor">
+            <a:schemeClr val="lt1"/>
+          </a:fontRef>
+        </p:style>
+        <p:txBody>
+          <a:bodyPr rtlCol="0" anchor="ctr"/>
+          <a:lstStyle/>
+          <a:p>
+            <a:pPr algn="ctr"/>
+            <a:r>
+              <a:rPr lang="fr-FR" dirty="0" smtClean="0">
+                <a:solidFill>
+                  <a:schemeClr val="tx1"/>
+                </a:solidFill>
+              </a:rPr>
+              <a:t>255/255/255</a:t>
+            </a:r>
+          </a:p>
+        </p:txBody>
+      </p:sp>
+      <p:sp>
+        <p:nvSpPr>
+          <p:cNvPr id="7" name="Rectangle 6"/>
+          <p:cNvSpPr/>
+          <p:nvPr/>
+        </p:nvSpPr>
+        <p:spPr>
+          <a:xfrm>
+            <a:off x="6406663" y="3766040"/>
+            <a:ext cx="1652954" cy="1547446"/>
+          </a:xfrm>
+          <a:prstGeom prst="rect">
+            <a:avLst/>
+          </a:prstGeom>
+          <a:solidFill>
+            <a:srgbClr val="E4E4D8"/>
+          </a:solidFill>
+          <a:ln>
+            <a:solidFill>
+              <a:schemeClr val="bg1"/>
+            </a:solidFill>
+          </a:ln>
+        </p:spPr>
+        <p:style>
+          <a:lnRef idx="2">
+            <a:schemeClr val="accent1">
+              <a:shade val="50000"/>
+            </a:schemeClr>
+          </a:lnRef>
+          <a:fillRef idx="1">
+            <a:schemeClr val="accent1"/>
+          </a:fillRef>
+          <a:effectRef idx="0">
+            <a:schemeClr val="accent1"/>
+          </a:effectRef>
+          <a:fontRef idx="minor">
+            <a:schemeClr val="lt1"/>
+          </a:fontRef>
+        </p:style>
+        <p:txBody>
+          <a:bodyPr rtlCol="0" anchor="ctr"/>
+          <a:lstStyle/>
+          <a:p>
+            <a:pPr algn="ctr"/>
+            <a:r>
+              <a:rPr lang="fr-FR" dirty="0" smtClean="0">
+                <a:solidFill>
+                  <a:schemeClr val="tx1"/>
+                </a:solidFill>
+              </a:rPr>
+              <a:t>228/228/216</a:t>
+            </a:r>
+            <a:endParaRPr lang="fr-FR" dirty="0" smtClean="0">
+              <a:solidFill>
+                <a:schemeClr val="tx1"/>
+              </a:solidFill>
+            </a:endParaRPr>
+          </a:p>
+        </p:txBody>
+      </p:sp>
+      <p:sp>
+        <p:nvSpPr>
+          <p:cNvPr id="8" name="Rectangle 7"/>
+          <p:cNvSpPr/>
+          <p:nvPr/>
+        </p:nvSpPr>
+        <p:spPr>
+          <a:xfrm>
+            <a:off x="6406663" y="1641231"/>
+            <a:ext cx="1652954" cy="1547446"/>
+          </a:xfrm>
+          <a:prstGeom prst="rect">
+            <a:avLst/>
+          </a:prstGeom>
+          <a:solidFill>
+            <a:srgbClr val="0A413E"/>
+          </a:solidFill>
+          <a:ln>
+            <a:solidFill>
+              <a:schemeClr val="bg1"/>
+            </a:solidFill>
+          </a:ln>
+        </p:spPr>
+        <p:style>
+          <a:lnRef idx="2">
+            <a:schemeClr val="accent1">
+              <a:shade val="50000"/>
+            </a:schemeClr>
+          </a:lnRef>
+          <a:fillRef idx="1">
+            <a:schemeClr val="accent1"/>
+          </a:fillRef>
+          <a:effectRef idx="0">
+            <a:schemeClr val="accent1"/>
+          </a:effectRef>
+          <a:fontRef idx="minor">
+            <a:schemeClr val="lt1"/>
+          </a:fontRef>
+        </p:style>
+        <p:txBody>
+          <a:bodyPr rtlCol="0" anchor="ctr"/>
+          <a:lstStyle/>
+          <a:p>
+            <a:pPr algn="ctr"/>
+            <a:r>
+              <a:rPr lang="fr-FR" dirty="0" smtClean="0">
+                <a:solidFill>
+                  <a:schemeClr val="bg1"/>
+                </a:solidFill>
+              </a:rPr>
+              <a:t>10/65/62</a:t>
+            </a:r>
+            <a:endParaRPr lang="fr-FR" dirty="0" smtClean="0">
+              <a:solidFill>
+                <a:schemeClr val="bg1"/>
+              </a:solidFill>
+            </a:endParaRPr>
+          </a:p>
+        </p:txBody>
+      </p:sp>
+      <p:sp>
+        <p:nvSpPr>
+          <p:cNvPr id="12" name="Rectangle 11"/>
+          <p:cNvSpPr/>
+          <p:nvPr/>
+        </p:nvSpPr>
+        <p:spPr>
+          <a:xfrm>
+            <a:off x="9076593" y="1641231"/>
+            <a:ext cx="1652954" cy="1547446"/>
+          </a:xfrm>
+          <a:prstGeom prst="rect">
+            <a:avLst/>
+          </a:prstGeom>
+          <a:solidFill>
+            <a:srgbClr val="393939"/>
+          </a:solidFill>
+          <a:ln>
+            <a:solidFill>
+              <a:schemeClr val="bg1"/>
+            </a:solidFill>
+          </a:ln>
+        </p:spPr>
+        <p:style>
+          <a:lnRef idx="2">
+            <a:schemeClr val="accent1">
+              <a:shade val="50000"/>
+            </a:schemeClr>
+          </a:lnRef>
+          <a:fillRef idx="1">
+            <a:schemeClr val="accent1"/>
+          </a:fillRef>
+          <a:effectRef idx="0">
+            <a:schemeClr val="accent1"/>
+          </a:effectRef>
+          <a:fontRef idx="minor">
+            <a:schemeClr val="lt1"/>
+          </a:fontRef>
+        </p:style>
+        <p:txBody>
+          <a:bodyPr rtlCol="0" anchor="ctr"/>
+          <a:lstStyle/>
+          <a:p>
+            <a:pPr algn="ctr"/>
+            <a:r>
+              <a:rPr lang="fr-FR" dirty="0" smtClean="0">
+                <a:solidFill>
+                  <a:schemeClr val="bg1"/>
+                </a:solidFill>
+              </a:rPr>
+              <a:t>57/57/57</a:t>
+            </a:r>
+            <a:endParaRPr lang="fr-FR" dirty="0" smtClean="0">
+              <a:solidFill>
+                <a:schemeClr val="bg1"/>
+              </a:solidFill>
+            </a:endParaRPr>
+          </a:p>
+        </p:txBody>
+      </p:sp>
+      <p:sp>
+        <p:nvSpPr>
+          <p:cNvPr id="11" name="Rectangle 10"/>
+          <p:cNvSpPr/>
+          <p:nvPr/>
+        </p:nvSpPr>
+        <p:spPr>
+          <a:xfrm>
+            <a:off x="5914294" y="2579079"/>
+            <a:ext cx="984737" cy="967153"/>
+          </a:xfrm>
+          <a:prstGeom prst="rect">
+            <a:avLst/>
+          </a:prstGeom>
+          <a:solidFill>
+            <a:srgbClr val="B5D6BD"/>
+          </a:solidFill>
+          <a:ln>
+            <a:solidFill>
+              <a:schemeClr val="bg1"/>
+            </a:solidFill>
+          </a:ln>
+        </p:spPr>
+        <p:style>
+          <a:lnRef idx="2">
+            <a:schemeClr val="accent1">
+              <a:shade val="50000"/>
+            </a:schemeClr>
+          </a:lnRef>
+          <a:fillRef idx="1">
+            <a:schemeClr val="accent1"/>
+          </a:fillRef>
+          <a:effectRef idx="0">
+            <a:schemeClr val="accent1"/>
+          </a:effectRef>
+          <a:fontRef idx="minor">
+            <a:schemeClr val="lt1"/>
+          </a:fontRef>
+        </p:style>
+        <p:txBody>
+          <a:bodyPr rtlCol="0" anchor="ctr"/>
+          <a:lstStyle/>
+          <a:p>
+            <a:pPr algn="ctr"/>
+            <a:r>
+              <a:rPr lang="fr-FR" sz="1100" dirty="0" smtClean="0">
+                <a:solidFill>
+                  <a:schemeClr val="tx1"/>
+                </a:solidFill>
+              </a:rPr>
+              <a:t>181/214/189</a:t>
+            </a:r>
+            <a:endParaRPr lang="fr-FR" sz="1100" dirty="0" smtClean="0">
+              <a:solidFill>
+                <a:schemeClr val="tx1"/>
+              </a:solidFill>
+            </a:endParaRPr>
+          </a:p>
+        </p:txBody>
+      </p:sp>
+    </p:spTree>
+    <p:extLst>
+      <p:ext uri="{BB962C8B-B14F-4D97-AF65-F5344CB8AC3E}">
+        <p14:creationId xmlns:p14="http://schemas.microsoft.com/office/powerpoint/2010/main" val="283744340"/>
+      </p:ext>
+    </p:extLst>
+  </p:cSld>
+  <p:clrMapOvr>
+    <a:masterClrMapping/>
+  </p:clrMapOvr>
+</p:sld>
+</file>
+
 <file path=ppt/theme/theme1.xml><?xml version="1.0" encoding="utf-8"?>
 <a:theme xmlns:a="http://schemas.openxmlformats.org/drawingml/2006/main" name="Thème Office">
   <a:themeElements>
